--- a/img/OSDC.pptx
+++ b/img/OSDC.pptx
@@ -5920,6 +5920,68 @@
       </p:grpSpPr>
       <p:sp>
         <p:nvSpPr>
+          <p:cNvPr id="24" name="Rectangle 23">
+            <a:extLst>
+              <a:ext uri="{FF2B5EF4-FFF2-40B4-BE49-F238E27FC236}">
+                <a16:creationId xmlns:a16="http://schemas.microsoft.com/office/drawing/2014/main" id="{DBFF6B02-460F-224B-B340-FCFE4EEDEB83}"/>
+              </a:ext>
+            </a:extLst>
+          </p:cNvPr>
+          <p:cNvSpPr/>
+          <p:nvPr/>
+        </p:nvSpPr>
+        <p:spPr>
+          <a:xfrm>
+            <a:off x="3185045" y="3365800"/>
+            <a:ext cx="2716022" cy="2944299"/>
+          </a:xfrm>
+          <a:prstGeom prst="rect">
+            <a:avLst/>
+          </a:prstGeom>
+          <a:solidFill>
+            <a:schemeClr val="accent6">
+              <a:lumMod val="20000"/>
+              <a:lumOff val="80000"/>
+            </a:schemeClr>
+          </a:solidFill>
+          <a:ln w="6350">
+            <a:noFill/>
+          </a:ln>
+        </p:spPr>
+        <p:style>
+          <a:lnRef idx="2">
+            <a:schemeClr val="accent1">
+              <a:shade val="50000"/>
+            </a:schemeClr>
+          </a:lnRef>
+          <a:fillRef idx="1">
+            <a:schemeClr val="accent1"/>
+          </a:fillRef>
+          <a:effectRef idx="0">
+            <a:schemeClr val="accent1"/>
+          </a:effectRef>
+          <a:fontRef idx="minor">
+            <a:schemeClr val="lt1"/>
+          </a:fontRef>
+        </p:style>
+        <p:txBody>
+          <a:bodyPr rtlCol="0" anchor="ctr"/>
+          <a:lstStyle/>
+          <a:p>
+            <a:pPr algn="ctr"/>
+            <a:r>
+              <a:rPr lang="en-US" dirty="0">
+                <a:solidFill>
+                  <a:schemeClr val="tx1"/>
+                </a:solidFill>
+              </a:rPr>
+              <a:t> </a:t>
+            </a:r>
+          </a:p>
+        </p:txBody>
+      </p:sp>
+      <p:sp>
+        <p:nvSpPr>
           <p:cNvPr id="6" name="Rectangle 5">
             <a:extLst>
               <a:ext uri="{FF2B5EF4-FFF2-40B4-BE49-F238E27FC236}">
@@ -6187,6 +6249,158 @@
           <a:xfrm>
             <a:off x="6378917" y="260726"/>
             <a:ext cx="2080054" cy="2946743"/>
+          </a:xfrm>
+          <a:prstGeom prst="rect">
+            <a:avLst/>
+          </a:prstGeom>
+        </p:spPr>
+      </p:pic>
+      <p:sp>
+        <p:nvSpPr>
+          <p:cNvPr id="20" name="Rectangle 19">
+            <a:extLst>
+              <a:ext uri="{FF2B5EF4-FFF2-40B4-BE49-F238E27FC236}">
+                <a16:creationId xmlns:a16="http://schemas.microsoft.com/office/drawing/2014/main" id="{F53DA5C4-E349-2B4E-AA56-48EC87042BA3}"/>
+              </a:ext>
+            </a:extLst>
+          </p:cNvPr>
+          <p:cNvSpPr/>
+          <p:nvPr/>
+        </p:nvSpPr>
+        <p:spPr>
+          <a:xfrm>
+            <a:off x="309157" y="3365800"/>
+            <a:ext cx="2716022" cy="2944299"/>
+          </a:xfrm>
+          <a:prstGeom prst="rect">
+            <a:avLst/>
+          </a:prstGeom>
+          <a:solidFill>
+            <a:schemeClr val="accent2">
+              <a:lumMod val="20000"/>
+              <a:lumOff val="80000"/>
+            </a:schemeClr>
+          </a:solidFill>
+          <a:ln w="6350">
+            <a:noFill/>
+          </a:ln>
+        </p:spPr>
+        <p:style>
+          <a:lnRef idx="2">
+            <a:schemeClr val="accent1">
+              <a:shade val="50000"/>
+            </a:schemeClr>
+          </a:lnRef>
+          <a:fillRef idx="1">
+            <a:schemeClr val="accent1"/>
+          </a:fillRef>
+          <a:effectRef idx="0">
+            <a:schemeClr val="accent1"/>
+          </a:effectRef>
+          <a:fontRef idx="minor">
+            <a:schemeClr val="lt1"/>
+          </a:fontRef>
+        </p:style>
+        <p:txBody>
+          <a:bodyPr rtlCol="0" anchor="ctr"/>
+          <a:lstStyle/>
+          <a:p>
+            <a:pPr algn="ctr"/>
+            <a:r>
+              <a:rPr lang="en-US" dirty="0">
+                <a:solidFill>
+                  <a:schemeClr val="tx1"/>
+                </a:solidFill>
+              </a:rPr>
+              <a:t> </a:t>
+            </a:r>
+          </a:p>
+        </p:txBody>
+      </p:sp>
+      <p:pic>
+        <p:nvPicPr>
+          <p:cNvPr id="22" name="Picture 21">
+            <a:extLst>
+              <a:ext uri="{FF2B5EF4-FFF2-40B4-BE49-F238E27FC236}">
+                <a16:creationId xmlns:a16="http://schemas.microsoft.com/office/drawing/2014/main" id="{0B14B5DC-0C93-F842-94E9-F14E89D14D29}"/>
+              </a:ext>
+            </a:extLst>
+          </p:cNvPr>
+          <p:cNvPicPr>
+            <a:picLocks noChangeAspect="1"/>
+          </p:cNvPicPr>
+          <p:nvPr/>
+        </p:nvPicPr>
+        <p:blipFill>
+          <a:blip r:embed="rId5"/>
+          <a:stretch>
+            <a:fillRect/>
+          </a:stretch>
+        </p:blipFill>
+        <p:spPr>
+          <a:xfrm>
+            <a:off x="309157" y="3947560"/>
+            <a:ext cx="2716022" cy="1520972"/>
+          </a:xfrm>
+          <a:prstGeom prst="rect">
+            <a:avLst/>
+          </a:prstGeom>
+        </p:spPr>
+      </p:pic>
+      <p:pic>
+        <p:nvPicPr>
+          <p:cNvPr id="23" name="Picture 22">
+            <a:extLst>
+              <a:ext uri="{FF2B5EF4-FFF2-40B4-BE49-F238E27FC236}">
+                <a16:creationId xmlns:a16="http://schemas.microsoft.com/office/drawing/2014/main" id="{FE6ED415-4E26-EC4B-94F0-B6D5714C8F90}"/>
+              </a:ext>
+            </a:extLst>
+          </p:cNvPr>
+          <p:cNvPicPr>
+            <a:picLocks noChangeAspect="1"/>
+          </p:cNvPicPr>
+          <p:nvPr/>
+        </p:nvPicPr>
+        <p:blipFill>
+          <a:blip r:embed="rId6"/>
+          <a:stretch>
+            <a:fillRect/>
+          </a:stretch>
+        </p:blipFill>
+        <p:spPr>
+          <a:xfrm>
+            <a:off x="3185045" y="3479938"/>
+            <a:ext cx="2716022" cy="2716022"/>
+          </a:xfrm>
+          <a:prstGeom prst="rect">
+            <a:avLst/>
+          </a:prstGeom>
+        </p:spPr>
+      </p:pic>
+      <p:pic>
+        <p:nvPicPr>
+          <p:cNvPr id="25" name="Picture 24">
+            <a:extLst>
+              <a:ext uri="{FF2B5EF4-FFF2-40B4-BE49-F238E27FC236}">
+                <a16:creationId xmlns:a16="http://schemas.microsoft.com/office/drawing/2014/main" id="{0FECACCD-A9B8-AD42-9EBA-9CA9E71A76D5}"/>
+              </a:ext>
+            </a:extLst>
+          </p:cNvPr>
+          <p:cNvPicPr>
+            <a:picLocks noChangeAspect="1"/>
+          </p:cNvPicPr>
+          <p:nvPr/>
+        </p:nvPicPr>
+        <p:blipFill>
+          <a:blip r:embed="rId7"/>
+          <a:stretch>
+            <a:fillRect/>
+          </a:stretch>
+        </p:blipFill>
+        <p:spPr>
+          <a:xfrm>
+            <a:off x="6060933" y="3947560"/>
+            <a:ext cx="2667000" cy="1689100"/>
           </a:xfrm>
           <a:prstGeom prst="rect">
             <a:avLst/>
